--- a/AIME-slides.pptx
+++ b/AIME-slides.pptx
@@ -3447,6 +3447,222 @@
           </a:p>
         </p:txBody>
       </p:sp>
+      <p:pic>
+        <p:nvPicPr>
+          <p:cNvPr id="9" name="Graphic 8">
+            <a:extLst>
+              <a:ext uri="{FF2B5EF4-FFF2-40B4-BE49-F238E27FC236}">
+                <a16:creationId xmlns:a16="http://schemas.microsoft.com/office/drawing/2014/main" id="{5A7DEE57-AD03-354A-7B18-6263BE8F8BF8}"/>
+              </a:ext>
+            </a:extLst>
+          </p:cNvPr>
+          <p:cNvPicPr>
+            <a:picLocks noChangeAspect="1"/>
+          </p:cNvPicPr>
+          <p:nvPr/>
+        </p:nvPicPr>
+        <p:blipFill>
+          <a:blip r:embed="rId2">
+            <a:extLst>
+              <a:ext uri="{28A0092B-C50C-407E-A947-70E740481C1C}">
+                <a14:useLocalDpi xmlns:a14="http://schemas.microsoft.com/office/drawing/2010/main" val="0"/>
+              </a:ext>
+              <a:ext uri="{96DAC541-7B7A-43D3-8B79-37D633B846F1}">
+                <asvg:svgBlip xmlns:asvg="http://schemas.microsoft.com/office/drawing/2016/SVG/main" r:embed="rId3"/>
+              </a:ext>
+            </a:extLst>
+          </a:blip>
+          <a:stretch>
+            <a:fillRect/>
+          </a:stretch>
+        </p:blipFill>
+        <p:spPr>
+          <a:xfrm>
+            <a:off x="10512490" y="5598367"/>
+            <a:ext cx="1679510" cy="1259633"/>
+          </a:xfrm>
+          <a:prstGeom prst="rect">
+            <a:avLst/>
+          </a:prstGeom>
+        </p:spPr>
+      </p:pic>
+      <p:grpSp>
+        <p:nvGrpSpPr>
+          <p:cNvPr id="18" name="Group 17">
+            <a:extLst>
+              <a:ext uri="{FF2B5EF4-FFF2-40B4-BE49-F238E27FC236}">
+                <a16:creationId xmlns:a16="http://schemas.microsoft.com/office/drawing/2014/main" id="{18F6B254-2137-67CD-3755-4A5EA916754E}"/>
+              </a:ext>
+            </a:extLst>
+          </p:cNvPr>
+          <p:cNvGrpSpPr/>
+          <p:nvPr/>
+        </p:nvGrpSpPr>
+        <p:grpSpPr>
+          <a:xfrm>
+            <a:off x="4828707" y="4758714"/>
+            <a:ext cx="2534585" cy="2099286"/>
+            <a:chOff x="11765" y="4758714"/>
+            <a:chExt cx="2534585" cy="2099286"/>
+          </a:xfrm>
+        </p:grpSpPr>
+        <p:pic>
+          <p:nvPicPr>
+            <p:cNvPr id="11" name="Graphic 10">
+              <a:extLst>
+                <a:ext uri="{FF2B5EF4-FFF2-40B4-BE49-F238E27FC236}">
+                  <a16:creationId xmlns:a16="http://schemas.microsoft.com/office/drawing/2014/main" id="{5E528496-1111-AF60-4DC1-C65FCE6B3473}"/>
+                </a:ext>
+              </a:extLst>
+            </p:cNvPr>
+            <p:cNvPicPr>
+              <a:picLocks noChangeAspect="1"/>
+            </p:cNvPicPr>
+            <p:nvPr/>
+          </p:nvPicPr>
+          <p:blipFill>
+            <a:blip r:embed="rId4">
+              <a:extLst>
+                <a:ext uri="{28A0092B-C50C-407E-A947-70E740481C1C}">
+                  <a14:useLocalDpi xmlns:a14="http://schemas.microsoft.com/office/drawing/2010/main" val="0"/>
+                </a:ext>
+                <a:ext uri="{96DAC541-7B7A-43D3-8B79-37D633B846F1}">
+                  <asvg:svgBlip xmlns:asvg="http://schemas.microsoft.com/office/drawing/2016/SVG/main" r:embed="rId5"/>
+                </a:ext>
+              </a:extLst>
+            </a:blip>
+            <a:stretch>
+              <a:fillRect/>
+            </a:stretch>
+          </p:blipFill>
+          <p:spPr>
+            <a:xfrm>
+              <a:off x="11765" y="5598367"/>
+              <a:ext cx="2429044" cy="1259633"/>
+            </a:xfrm>
+            <a:prstGeom prst="rect">
+              <a:avLst/>
+            </a:prstGeom>
+          </p:spPr>
+        </p:pic>
+        <p:pic>
+          <p:nvPicPr>
+            <p:cNvPr id="13" name="Graphic 12">
+              <a:extLst>
+                <a:ext uri="{FF2B5EF4-FFF2-40B4-BE49-F238E27FC236}">
+                  <a16:creationId xmlns:a16="http://schemas.microsoft.com/office/drawing/2014/main" id="{D18B17CB-41E9-C540-0E9C-19D570E37B2C}"/>
+                </a:ext>
+              </a:extLst>
+            </p:cNvPr>
+            <p:cNvPicPr>
+              <a:picLocks noChangeAspect="1"/>
+            </p:cNvPicPr>
+            <p:nvPr/>
+          </p:nvPicPr>
+          <p:blipFill>
+            <a:blip r:embed="rId6">
+              <a:extLst>
+                <a:ext uri="{28A0092B-C50C-407E-A947-70E740481C1C}">
+                  <a14:useLocalDpi xmlns:a14="http://schemas.microsoft.com/office/drawing/2010/main" val="0"/>
+                </a:ext>
+                <a:ext uri="{96DAC541-7B7A-43D3-8B79-37D633B846F1}">
+                  <asvg:svgBlip xmlns:asvg="http://schemas.microsoft.com/office/drawing/2016/SVG/main" r:embed="rId7"/>
+                </a:ext>
+              </a:extLst>
+            </a:blip>
+            <a:stretch>
+              <a:fillRect/>
+            </a:stretch>
+          </p:blipFill>
+          <p:spPr>
+            <a:xfrm>
+              <a:off x="719906" y="4778133"/>
+              <a:ext cx="1826444" cy="550832"/>
+            </a:xfrm>
+            <a:prstGeom prst="rect">
+              <a:avLst/>
+            </a:prstGeom>
+          </p:spPr>
+        </p:pic>
+        <p:pic>
+          <p:nvPicPr>
+            <p:cNvPr id="15" name="Graphic 14">
+              <a:extLst>
+                <a:ext uri="{FF2B5EF4-FFF2-40B4-BE49-F238E27FC236}">
+                  <a16:creationId xmlns:a16="http://schemas.microsoft.com/office/drawing/2014/main" id="{531FE958-DBD0-180B-DCC7-4407F4005D29}"/>
+                </a:ext>
+              </a:extLst>
+            </p:cNvPr>
+            <p:cNvPicPr>
+              <a:picLocks noChangeAspect="1"/>
+            </p:cNvPicPr>
+            <p:nvPr/>
+          </p:nvPicPr>
+          <p:blipFill>
+            <a:blip r:embed="rId8">
+              <a:extLst>
+                <a:ext uri="{28A0092B-C50C-407E-A947-70E740481C1C}">
+                  <a14:useLocalDpi xmlns:a14="http://schemas.microsoft.com/office/drawing/2010/main" val="0"/>
+                </a:ext>
+                <a:ext uri="{96DAC541-7B7A-43D3-8B79-37D633B846F1}">
+                  <asvg:svgBlip xmlns:asvg="http://schemas.microsoft.com/office/drawing/2016/SVG/main" r:embed="rId9"/>
+                </a:ext>
+              </a:extLst>
+            </a:blip>
+            <a:stretch>
+              <a:fillRect/>
+            </a:stretch>
+          </p:blipFill>
+          <p:spPr>
+            <a:xfrm>
+              <a:off x="11765" y="4758714"/>
+              <a:ext cx="589672" cy="589670"/>
+            </a:xfrm>
+            <a:prstGeom prst="rect">
+              <a:avLst/>
+            </a:prstGeom>
+          </p:spPr>
+        </p:pic>
+      </p:grpSp>
+      <p:pic>
+        <p:nvPicPr>
+          <p:cNvPr id="17" name="Graphic 16">
+            <a:extLst>
+              <a:ext uri="{FF2B5EF4-FFF2-40B4-BE49-F238E27FC236}">
+                <a16:creationId xmlns:a16="http://schemas.microsoft.com/office/drawing/2014/main" id="{B1BE36B2-548E-EFAF-39A5-9D2BD861E6EA}"/>
+              </a:ext>
+            </a:extLst>
+          </p:cNvPr>
+          <p:cNvPicPr>
+            <a:picLocks noChangeAspect="1"/>
+          </p:cNvPicPr>
+          <p:nvPr/>
+        </p:nvPicPr>
+        <p:blipFill>
+          <a:blip r:embed="rId10">
+            <a:extLst>
+              <a:ext uri="{28A0092B-C50C-407E-A947-70E740481C1C}">
+                <a14:useLocalDpi xmlns:a14="http://schemas.microsoft.com/office/drawing/2010/main" val="0"/>
+              </a:ext>
+              <a:ext uri="{96DAC541-7B7A-43D3-8B79-37D633B846F1}">
+                <asvg:svgBlip xmlns:asvg="http://schemas.microsoft.com/office/drawing/2016/SVG/main" r:embed="rId11"/>
+              </a:ext>
+            </a:extLst>
+          </a:blip>
+          <a:stretch>
+            <a:fillRect/>
+          </a:stretch>
+        </p:blipFill>
+        <p:spPr>
+          <a:xfrm>
+            <a:off x="0" y="5598366"/>
+            <a:ext cx="3265716" cy="1259633"/>
+          </a:xfrm>
+          <a:prstGeom prst="rect">
+            <a:avLst/>
+          </a:prstGeom>
+        </p:spPr>
+      </p:pic>
     </p:spTree>
     <p:extLst>
       <p:ext uri="{BB962C8B-B14F-4D97-AF65-F5344CB8AC3E}">

--- a/AIME-slides.pptx
+++ b/AIME-slides.pptx
@@ -3655,7 +3655,7 @@
         </p:blipFill>
         <p:spPr>
           <a:xfrm>
-            <a:off x="0" y="5598366"/>
+            <a:off x="0" y="5503116"/>
             <a:ext cx="3265716" cy="1259633"/>
           </a:xfrm>
           <a:prstGeom prst="rect">

--- a/AIME-slides.pptx
+++ b/AIME-slides.pptx
@@ -4,9 +4,13 @@
   <p:sldMasterIdLst>
     <p:sldMasterId id="2147483648" r:id="rId1"/>
   </p:sldMasterIdLst>
+  <p:notesMasterIdLst>
+    <p:notesMasterId r:id="rId5"/>
+  </p:notesMasterIdLst>
   <p:sldIdLst>
     <p:sldId id="257" r:id="rId2"/>
-    <p:sldId id="256" r:id="rId3"/>
+    <p:sldId id="267" r:id="rId3"/>
+    <p:sldId id="256" r:id="rId4"/>
   </p:sldIdLst>
   <p:sldSz cx="12192000" cy="6858000"/>
   <p:notesSz cx="6858000" cy="9144000"/>
@@ -106,6 +110,439 @@
     </a:lvl9pPr>
   </p:defaultTextStyle>
 </p:presentation>
+</file>
+
+<file path=ppt/notesMasters/notesMaster1.xml><?xml version="1.0" encoding="utf-8"?>
+<p:notesMaster xmlns:a="http://schemas.openxmlformats.org/drawingml/2006/main" xmlns:r="http://schemas.openxmlformats.org/officeDocument/2006/relationships" xmlns:p="http://schemas.openxmlformats.org/presentationml/2006/main">
+  <p:cSld>
+    <p:bg>
+      <p:bgRef idx="1001">
+        <a:schemeClr val="bg1"/>
+      </p:bgRef>
+    </p:bg>
+    <p:spTree>
+      <p:nvGrpSpPr>
+        <p:cNvPr id="1" name=""/>
+        <p:cNvGrpSpPr/>
+        <p:nvPr/>
+      </p:nvGrpSpPr>
+      <p:grpSpPr>
+        <a:xfrm>
+          <a:off x="0" y="0"/>
+          <a:ext cx="0" cy="0"/>
+          <a:chOff x="0" y="0"/>
+          <a:chExt cx="0" cy="0"/>
+        </a:xfrm>
+      </p:grpSpPr>
+      <p:sp>
+        <p:nvSpPr>
+          <p:cNvPr id="2" name="Header Placeholder 1"/>
+          <p:cNvSpPr>
+            <a:spLocks noGrp="1"/>
+          </p:cNvSpPr>
+          <p:nvPr>
+            <p:ph type="hdr" sz="quarter"/>
+          </p:nvPr>
+        </p:nvSpPr>
+        <p:spPr>
+          <a:xfrm>
+            <a:off x="0" y="0"/>
+            <a:ext cx="2971800" cy="458788"/>
+          </a:xfrm>
+          <a:prstGeom prst="rect">
+            <a:avLst/>
+          </a:prstGeom>
+        </p:spPr>
+        <p:txBody>
+          <a:bodyPr vert="horz" lIns="91440" tIns="45720" rIns="91440" bIns="45720" rtlCol="0"/>
+          <a:lstStyle>
+            <a:lvl1pPr algn="l">
+              <a:defRPr sz="1200"/>
+            </a:lvl1pPr>
+          </a:lstStyle>
+          <a:p>
+            <a:endParaRPr lang="en-US"/>
+          </a:p>
+        </p:txBody>
+      </p:sp>
+      <p:sp>
+        <p:nvSpPr>
+          <p:cNvPr id="3" name="Date Placeholder 2"/>
+          <p:cNvSpPr>
+            <a:spLocks noGrp="1"/>
+          </p:cNvSpPr>
+          <p:nvPr>
+            <p:ph type="dt" idx="1"/>
+          </p:nvPr>
+        </p:nvSpPr>
+        <p:spPr>
+          <a:xfrm>
+            <a:off x="3884613" y="0"/>
+            <a:ext cx="2971800" cy="458788"/>
+          </a:xfrm>
+          <a:prstGeom prst="rect">
+            <a:avLst/>
+          </a:prstGeom>
+        </p:spPr>
+        <p:txBody>
+          <a:bodyPr vert="horz" lIns="91440" tIns="45720" rIns="91440" bIns="45720" rtlCol="0"/>
+          <a:lstStyle>
+            <a:lvl1pPr algn="r">
+              <a:defRPr sz="1200"/>
+            </a:lvl1pPr>
+          </a:lstStyle>
+          <a:p>
+            <a:fld id="{278B1040-5D5D-46F7-99E4-6D1627D52D36}" type="datetimeFigureOut">
+              <a:rPr lang="en-US" smtClean="0"/>
+              <a:t>6/11/2024</a:t>
+            </a:fld>
+            <a:endParaRPr lang="en-US"/>
+          </a:p>
+        </p:txBody>
+      </p:sp>
+      <p:sp>
+        <p:nvSpPr>
+          <p:cNvPr id="4" name="Slide Image Placeholder 3"/>
+          <p:cNvSpPr>
+            <a:spLocks noGrp="1" noRot="1" noChangeAspect="1"/>
+          </p:cNvSpPr>
+          <p:nvPr>
+            <p:ph type="sldImg" idx="2"/>
+          </p:nvPr>
+        </p:nvSpPr>
+        <p:spPr>
+          <a:xfrm>
+            <a:off x="685800" y="1143000"/>
+            <a:ext cx="5486400" cy="3086100"/>
+          </a:xfrm>
+          <a:prstGeom prst="rect">
+            <a:avLst/>
+          </a:prstGeom>
+          <a:noFill/>
+          <a:ln w="12700">
+            <a:solidFill>
+              <a:prstClr val="black"/>
+            </a:solidFill>
+          </a:ln>
+        </p:spPr>
+        <p:txBody>
+          <a:bodyPr vert="horz" lIns="91440" tIns="45720" rIns="91440" bIns="45720" rtlCol="0" anchor="ctr"/>
+          <a:lstStyle/>
+          <a:p>
+            <a:endParaRPr lang="en-US"/>
+          </a:p>
+        </p:txBody>
+      </p:sp>
+      <p:sp>
+        <p:nvSpPr>
+          <p:cNvPr id="5" name="Notes Placeholder 4"/>
+          <p:cNvSpPr>
+            <a:spLocks noGrp="1"/>
+          </p:cNvSpPr>
+          <p:nvPr>
+            <p:ph type="body" sz="quarter" idx="3"/>
+          </p:nvPr>
+        </p:nvSpPr>
+        <p:spPr>
+          <a:xfrm>
+            <a:off x="685800" y="4400550"/>
+            <a:ext cx="5486400" cy="3600450"/>
+          </a:xfrm>
+          <a:prstGeom prst="rect">
+            <a:avLst/>
+          </a:prstGeom>
+        </p:spPr>
+        <p:txBody>
+          <a:bodyPr vert="horz" lIns="91440" tIns="45720" rIns="91440" bIns="45720" rtlCol="0"/>
+          <a:lstStyle/>
+          <a:p>
+            <a:pPr lvl="0"/>
+            <a:r>
+              <a:rPr lang="en-US"/>
+              <a:t>Click to edit Master text styles</a:t>
+            </a:r>
+          </a:p>
+          <a:p>
+            <a:pPr lvl="1"/>
+            <a:r>
+              <a:rPr lang="en-US"/>
+              <a:t>Second level</a:t>
+            </a:r>
+          </a:p>
+          <a:p>
+            <a:pPr lvl="2"/>
+            <a:r>
+              <a:rPr lang="en-US"/>
+              <a:t>Third level</a:t>
+            </a:r>
+          </a:p>
+          <a:p>
+            <a:pPr lvl="3"/>
+            <a:r>
+              <a:rPr lang="en-US"/>
+              <a:t>Fourth level</a:t>
+            </a:r>
+          </a:p>
+          <a:p>
+            <a:pPr lvl="4"/>
+            <a:r>
+              <a:rPr lang="en-US"/>
+              <a:t>Fifth level</a:t>
+            </a:r>
+          </a:p>
+        </p:txBody>
+      </p:sp>
+      <p:sp>
+        <p:nvSpPr>
+          <p:cNvPr id="6" name="Footer Placeholder 5"/>
+          <p:cNvSpPr>
+            <a:spLocks noGrp="1"/>
+          </p:cNvSpPr>
+          <p:nvPr>
+            <p:ph type="ftr" sz="quarter" idx="4"/>
+          </p:nvPr>
+        </p:nvSpPr>
+        <p:spPr>
+          <a:xfrm>
+            <a:off x="0" y="8685213"/>
+            <a:ext cx="2971800" cy="458787"/>
+          </a:xfrm>
+          <a:prstGeom prst="rect">
+            <a:avLst/>
+          </a:prstGeom>
+        </p:spPr>
+        <p:txBody>
+          <a:bodyPr vert="horz" lIns="91440" tIns="45720" rIns="91440" bIns="45720" rtlCol="0" anchor="b"/>
+          <a:lstStyle>
+            <a:lvl1pPr algn="l">
+              <a:defRPr sz="1200"/>
+            </a:lvl1pPr>
+          </a:lstStyle>
+          <a:p>
+            <a:endParaRPr lang="en-US"/>
+          </a:p>
+        </p:txBody>
+      </p:sp>
+      <p:sp>
+        <p:nvSpPr>
+          <p:cNvPr id="7" name="Slide Number Placeholder 6"/>
+          <p:cNvSpPr>
+            <a:spLocks noGrp="1"/>
+          </p:cNvSpPr>
+          <p:nvPr>
+            <p:ph type="sldNum" sz="quarter" idx="5"/>
+          </p:nvPr>
+        </p:nvSpPr>
+        <p:spPr>
+          <a:xfrm>
+            <a:off x="3884613" y="8685213"/>
+            <a:ext cx="2971800" cy="458787"/>
+          </a:xfrm>
+          <a:prstGeom prst="rect">
+            <a:avLst/>
+          </a:prstGeom>
+        </p:spPr>
+        <p:txBody>
+          <a:bodyPr vert="horz" lIns="91440" tIns="45720" rIns="91440" bIns="45720" rtlCol="0" anchor="b"/>
+          <a:lstStyle>
+            <a:lvl1pPr algn="r">
+              <a:defRPr sz="1200"/>
+            </a:lvl1pPr>
+          </a:lstStyle>
+          <a:p>
+            <a:fld id="{9111114C-0AE3-4D14-93E9-7D62E07D70A8}" type="slidenum">
+              <a:rPr lang="en-US" smtClean="0"/>
+              <a:t>‹#›</a:t>
+            </a:fld>
+            <a:endParaRPr lang="en-US"/>
+          </a:p>
+        </p:txBody>
+      </p:sp>
+    </p:spTree>
+    <p:extLst>
+      <p:ext uri="{BB962C8B-B14F-4D97-AF65-F5344CB8AC3E}">
+        <p14:creationId xmlns:p14="http://schemas.microsoft.com/office/powerpoint/2010/main" val="1521454760"/>
+      </p:ext>
+    </p:extLst>
+  </p:cSld>
+  <p:clrMap bg1="lt1" tx1="dk1" bg2="lt2" tx2="dk2" accent1="accent1" accent2="accent2" accent3="accent3" accent4="accent4" accent5="accent5" accent6="accent6" hlink="hlink" folHlink="folHlink"/>
+  <p:notesStyle>
+    <a:lvl1pPr marL="0" algn="l" defTabSz="914400" rtl="0" eaLnBrk="1" latinLnBrk="0" hangingPunct="1">
+      <a:defRPr sz="1200" kern="1200">
+        <a:solidFill>
+          <a:schemeClr val="tx1"/>
+        </a:solidFill>
+        <a:latin typeface="+mn-lt"/>
+        <a:ea typeface="+mn-ea"/>
+        <a:cs typeface="+mn-cs"/>
+      </a:defRPr>
+    </a:lvl1pPr>
+    <a:lvl2pPr marL="457200" algn="l" defTabSz="914400" rtl="0" eaLnBrk="1" latinLnBrk="0" hangingPunct="1">
+      <a:defRPr sz="1200" kern="1200">
+        <a:solidFill>
+          <a:schemeClr val="tx1"/>
+        </a:solidFill>
+        <a:latin typeface="+mn-lt"/>
+        <a:ea typeface="+mn-ea"/>
+        <a:cs typeface="+mn-cs"/>
+      </a:defRPr>
+    </a:lvl2pPr>
+    <a:lvl3pPr marL="914400" algn="l" defTabSz="914400" rtl="0" eaLnBrk="1" latinLnBrk="0" hangingPunct="1">
+      <a:defRPr sz="1200" kern="1200">
+        <a:solidFill>
+          <a:schemeClr val="tx1"/>
+        </a:solidFill>
+        <a:latin typeface="+mn-lt"/>
+        <a:ea typeface="+mn-ea"/>
+        <a:cs typeface="+mn-cs"/>
+      </a:defRPr>
+    </a:lvl3pPr>
+    <a:lvl4pPr marL="1371600" algn="l" defTabSz="914400" rtl="0" eaLnBrk="1" latinLnBrk="0" hangingPunct="1">
+      <a:defRPr sz="1200" kern="1200">
+        <a:solidFill>
+          <a:schemeClr val="tx1"/>
+        </a:solidFill>
+        <a:latin typeface="+mn-lt"/>
+        <a:ea typeface="+mn-ea"/>
+        <a:cs typeface="+mn-cs"/>
+      </a:defRPr>
+    </a:lvl4pPr>
+    <a:lvl5pPr marL="1828800" algn="l" defTabSz="914400" rtl="0" eaLnBrk="1" latinLnBrk="0" hangingPunct="1">
+      <a:defRPr sz="1200" kern="1200">
+        <a:solidFill>
+          <a:schemeClr val="tx1"/>
+        </a:solidFill>
+        <a:latin typeface="+mn-lt"/>
+        <a:ea typeface="+mn-ea"/>
+        <a:cs typeface="+mn-cs"/>
+      </a:defRPr>
+    </a:lvl5pPr>
+    <a:lvl6pPr marL="2286000" algn="l" defTabSz="914400" rtl="0" eaLnBrk="1" latinLnBrk="0" hangingPunct="1">
+      <a:defRPr sz="1200" kern="1200">
+        <a:solidFill>
+          <a:schemeClr val="tx1"/>
+        </a:solidFill>
+        <a:latin typeface="+mn-lt"/>
+        <a:ea typeface="+mn-ea"/>
+        <a:cs typeface="+mn-cs"/>
+      </a:defRPr>
+    </a:lvl6pPr>
+    <a:lvl7pPr marL="2743200" algn="l" defTabSz="914400" rtl="0" eaLnBrk="1" latinLnBrk="0" hangingPunct="1">
+      <a:defRPr sz="1200" kern="1200">
+        <a:solidFill>
+          <a:schemeClr val="tx1"/>
+        </a:solidFill>
+        <a:latin typeface="+mn-lt"/>
+        <a:ea typeface="+mn-ea"/>
+        <a:cs typeface="+mn-cs"/>
+      </a:defRPr>
+    </a:lvl7pPr>
+    <a:lvl8pPr marL="3200400" algn="l" defTabSz="914400" rtl="0" eaLnBrk="1" latinLnBrk="0" hangingPunct="1">
+      <a:defRPr sz="1200" kern="1200">
+        <a:solidFill>
+          <a:schemeClr val="tx1"/>
+        </a:solidFill>
+        <a:latin typeface="+mn-lt"/>
+        <a:ea typeface="+mn-ea"/>
+        <a:cs typeface="+mn-cs"/>
+      </a:defRPr>
+    </a:lvl8pPr>
+    <a:lvl9pPr marL="3657600" algn="l" defTabSz="914400" rtl="0" eaLnBrk="1" latinLnBrk="0" hangingPunct="1">
+      <a:defRPr sz="1200" kern="1200">
+        <a:solidFill>
+          <a:schemeClr val="tx1"/>
+        </a:solidFill>
+        <a:latin typeface="+mn-lt"/>
+        <a:ea typeface="+mn-ea"/>
+        <a:cs typeface="+mn-cs"/>
+      </a:defRPr>
+    </a:lvl9pPr>
+  </p:notesStyle>
+</p:notesMaster>
+</file>
+
+<file path=ppt/notesSlides/notesSlide1.xml><?xml version="1.0" encoding="utf-8"?>
+<p:notes xmlns:a="http://schemas.openxmlformats.org/drawingml/2006/main" xmlns:r="http://schemas.openxmlformats.org/officeDocument/2006/relationships" xmlns:p="http://schemas.openxmlformats.org/presentationml/2006/main">
+  <p:cSld>
+    <p:spTree>
+      <p:nvGrpSpPr>
+        <p:cNvPr id="1" name=""/>
+        <p:cNvGrpSpPr/>
+        <p:nvPr/>
+      </p:nvGrpSpPr>
+      <p:grpSpPr>
+        <a:xfrm>
+          <a:off x="0" y="0"/>
+          <a:ext cx="0" cy="0"/>
+          <a:chOff x="0" y="0"/>
+          <a:chExt cx="0" cy="0"/>
+        </a:xfrm>
+      </p:grpSpPr>
+      <p:sp>
+        <p:nvSpPr>
+          <p:cNvPr id="2" name="Slide Image Placeholder 1"/>
+          <p:cNvSpPr>
+            <a:spLocks noGrp="1" noRot="1" noChangeAspect="1"/>
+          </p:cNvSpPr>
+          <p:nvPr>
+            <p:ph type="sldImg"/>
+          </p:nvPr>
+        </p:nvSpPr>
+        <p:spPr/>
+      </p:sp>
+      <p:sp>
+        <p:nvSpPr>
+          <p:cNvPr id="3" name="Notes Placeholder 2"/>
+          <p:cNvSpPr>
+            <a:spLocks noGrp="1"/>
+          </p:cNvSpPr>
+          <p:nvPr>
+            <p:ph type="body" idx="1"/>
+          </p:nvPr>
+        </p:nvSpPr>
+        <p:spPr/>
+        <p:txBody>
+          <a:bodyPr/>
+          <a:lstStyle/>
+          <a:p>
+            <a:endParaRPr lang="en-US" dirty="0"/>
+          </a:p>
+        </p:txBody>
+      </p:sp>
+      <p:sp>
+        <p:nvSpPr>
+          <p:cNvPr id="4" name="Slide Number Placeholder 3"/>
+          <p:cNvSpPr>
+            <a:spLocks noGrp="1"/>
+          </p:cNvSpPr>
+          <p:nvPr>
+            <p:ph type="sldNum" sz="quarter" idx="5"/>
+          </p:nvPr>
+        </p:nvSpPr>
+        <p:spPr/>
+        <p:txBody>
+          <a:bodyPr/>
+          <a:lstStyle/>
+          <a:p>
+            <a:fld id="{7AE7B803-5FCA-474D-9C85-BE7A636F01C1}" type="slidenum">
+              <a:rPr lang="en-US" smtClean="0"/>
+              <a:t>2</a:t>
+            </a:fld>
+            <a:endParaRPr lang="en-US"/>
+          </a:p>
+        </p:txBody>
+      </p:sp>
+    </p:spTree>
+    <p:extLst>
+      <p:ext uri="{BB962C8B-B14F-4D97-AF65-F5344CB8AC3E}">
+        <p14:creationId xmlns:p14="http://schemas.microsoft.com/office/powerpoint/2010/main" val="3811524178"/>
+      </p:ext>
+    </p:extLst>
+  </p:cSld>
+  <p:clrMapOvr>
+    <a:masterClrMapping/>
+  </p:clrMapOvr>
+</p:notes>
 </file>
 
 <file path=ppt/slideLayouts/slideLayout1.xml><?xml version="1.0" encoding="utf-8"?>
@@ -35777,6 +36214,778 @@
       </p:grpSpPr>
       <p:sp>
         <p:nvSpPr>
+          <p:cNvPr id="30" name="TextBox 29">
+            <a:extLst>
+              <a:ext uri="{FF2B5EF4-FFF2-40B4-BE49-F238E27FC236}">
+                <a16:creationId xmlns:a16="http://schemas.microsoft.com/office/drawing/2014/main" id="{70BB2428-18B9-CABE-D095-AA434B13BA43}"/>
+              </a:ext>
+            </a:extLst>
+          </p:cNvPr>
+          <p:cNvSpPr txBox="1"/>
+          <p:nvPr/>
+        </p:nvSpPr>
+        <p:spPr>
+          <a:xfrm>
+            <a:off x="8732520" y="5100753"/>
+            <a:ext cx="3459479" cy="584775"/>
+          </a:xfrm>
+          <a:prstGeom prst="rect">
+            <a:avLst/>
+          </a:prstGeom>
+          <a:noFill/>
+        </p:spPr>
+        <p:txBody>
+          <a:bodyPr wrap="square" rtlCol="0">
+            <a:spAutoFit/>
+          </a:bodyPr>
+          <a:lstStyle/>
+          <a:p>
+            <a:r>
+              <a:rPr lang="en-US" sz="1600" dirty="0"/>
+              <a:t>-: Heavy medicine on all the body</a:t>
+            </a:r>
+          </a:p>
+          <a:p>
+            <a:r>
+              <a:rPr lang="en-US" sz="1600" dirty="0"/>
+              <a:t>+: Tumor does </a:t>
+            </a:r>
+            <a:r>
+              <a:rPr lang="en-US" sz="1600" b="1" dirty="0"/>
+              <a:t>not</a:t>
+            </a:r>
+            <a:r>
+              <a:rPr lang="en-US" sz="1600" dirty="0"/>
+              <a:t> need to be localized</a:t>
+            </a:r>
+          </a:p>
+        </p:txBody>
+      </p:sp>
+      <p:cxnSp>
+        <p:nvCxnSpPr>
+          <p:cNvPr id="22" name="Straight Arrow Connector 21">
+            <a:extLst>
+              <a:ext uri="{FF2B5EF4-FFF2-40B4-BE49-F238E27FC236}">
+                <a16:creationId xmlns:a16="http://schemas.microsoft.com/office/drawing/2014/main" id="{508B2545-2EA3-ED70-665F-73BFC77AC3AF}"/>
+              </a:ext>
+            </a:extLst>
+          </p:cNvPr>
+          <p:cNvCxnSpPr>
+            <a:cxnSpLocks/>
+            <a:endCxn id="6" idx="0"/>
+          </p:cNvCxnSpPr>
+          <p:nvPr/>
+        </p:nvCxnSpPr>
+        <p:spPr>
+          <a:xfrm>
+            <a:off x="8232270" y="599768"/>
+            <a:ext cx="2382503" cy="739734"/>
+          </a:xfrm>
+          <a:prstGeom prst="straightConnector1">
+            <a:avLst/>
+          </a:prstGeom>
+          <a:ln w="76200">
+            <a:solidFill>
+              <a:schemeClr val="bg1">
+                <a:lumMod val="50000"/>
+              </a:schemeClr>
+            </a:solidFill>
+            <a:headEnd type="none" w="med" len="med"/>
+            <a:tailEnd type="arrow" w="med" len="med"/>
+          </a:ln>
+        </p:spPr>
+        <p:style>
+          <a:lnRef idx="1">
+            <a:schemeClr val="accent1"/>
+          </a:lnRef>
+          <a:fillRef idx="0">
+            <a:schemeClr val="accent1"/>
+          </a:fillRef>
+          <a:effectRef idx="0">
+            <a:schemeClr val="accent1"/>
+          </a:effectRef>
+          <a:fontRef idx="minor">
+            <a:schemeClr val="tx1"/>
+          </a:fontRef>
+        </p:style>
+      </p:cxnSp>
+      <p:cxnSp>
+        <p:nvCxnSpPr>
+          <p:cNvPr id="18" name="Straight Arrow Connector 17">
+            <a:extLst>
+              <a:ext uri="{FF2B5EF4-FFF2-40B4-BE49-F238E27FC236}">
+                <a16:creationId xmlns:a16="http://schemas.microsoft.com/office/drawing/2014/main" id="{44933391-B07C-6683-2EA1-F365BB44D81C}"/>
+              </a:ext>
+            </a:extLst>
+          </p:cNvPr>
+          <p:cNvCxnSpPr>
+            <a:cxnSpLocks/>
+            <a:endCxn id="5" idx="0"/>
+          </p:cNvCxnSpPr>
+          <p:nvPr/>
+        </p:nvCxnSpPr>
+        <p:spPr>
+          <a:xfrm flipH="1">
+            <a:off x="923216" y="599768"/>
+            <a:ext cx="3036513" cy="714377"/>
+          </a:xfrm>
+          <a:prstGeom prst="straightConnector1">
+            <a:avLst/>
+          </a:prstGeom>
+          <a:ln w="76200">
+            <a:solidFill>
+              <a:schemeClr val="bg1">
+                <a:lumMod val="50000"/>
+              </a:schemeClr>
+            </a:solidFill>
+            <a:headEnd type="none" w="med" len="med"/>
+            <a:tailEnd type="arrow" w="med" len="med"/>
+          </a:ln>
+        </p:spPr>
+        <p:style>
+          <a:lnRef idx="1">
+            <a:schemeClr val="accent1"/>
+          </a:lnRef>
+          <a:fillRef idx="0">
+            <a:schemeClr val="accent1"/>
+          </a:fillRef>
+          <a:effectRef idx="0">
+            <a:schemeClr val="accent1"/>
+          </a:effectRef>
+          <a:fontRef idx="minor">
+            <a:schemeClr val="tx1"/>
+          </a:fontRef>
+        </p:style>
+      </p:cxnSp>
+      <p:pic>
+        <p:nvPicPr>
+          <p:cNvPr id="15" name="Graphic 14">
+            <a:extLst>
+              <a:ext uri="{FF2B5EF4-FFF2-40B4-BE49-F238E27FC236}">
+                <a16:creationId xmlns:a16="http://schemas.microsoft.com/office/drawing/2014/main" id="{A4B8309D-F404-C3E8-D676-DE2CE9AB4AD8}"/>
+              </a:ext>
+            </a:extLst>
+          </p:cNvPr>
+          <p:cNvPicPr>
+            <a:picLocks noChangeAspect="1"/>
+          </p:cNvPicPr>
+          <p:nvPr/>
+        </p:nvPicPr>
+        <p:blipFill>
+          <a:blip r:embed="rId3">
+            <a:extLst>
+              <a:ext uri="{28A0092B-C50C-407E-A947-70E740481C1C}">
+                <a14:useLocalDpi xmlns:a14="http://schemas.microsoft.com/office/drawing/2010/main" val="0"/>
+              </a:ext>
+              <a:ext uri="{96DAC541-7B7A-43D3-8B79-37D633B846F1}">
+                <asvg:svgBlip xmlns:asvg="http://schemas.microsoft.com/office/drawing/2016/SVG/main" r:embed="rId4"/>
+              </a:ext>
+            </a:extLst>
+          </a:blip>
+          <a:stretch>
+            <a:fillRect/>
+          </a:stretch>
+        </p:blipFill>
+        <p:spPr>
+          <a:xfrm>
+            <a:off x="8429795" y="1314145"/>
+            <a:ext cx="671688" cy="671688"/>
+          </a:xfrm>
+          <a:prstGeom prst="rect">
+            <a:avLst/>
+          </a:prstGeom>
+        </p:spPr>
+      </p:pic>
+      <p:pic>
+        <p:nvPicPr>
+          <p:cNvPr id="13" name="Picture 12" descr="A picture containing bandage, person, indoor, scissors&#10;&#10;Description automatically generated">
+            <a:extLst>
+              <a:ext uri="{FF2B5EF4-FFF2-40B4-BE49-F238E27FC236}">
+                <a16:creationId xmlns:a16="http://schemas.microsoft.com/office/drawing/2014/main" id="{3482AE21-1B66-F7EF-8B73-C013FFC5FBDE}"/>
+              </a:ext>
+            </a:extLst>
+          </p:cNvPr>
+          <p:cNvPicPr>
+            <a:picLocks noChangeAspect="1"/>
+          </p:cNvPicPr>
+          <p:nvPr/>
+        </p:nvPicPr>
+        <p:blipFill>
+          <a:blip r:embed="rId5">
+            <a:extLst>
+              <a:ext uri="{28A0092B-C50C-407E-A947-70E740481C1C}">
+                <a14:useLocalDpi xmlns:a14="http://schemas.microsoft.com/office/drawing/2010/main" val="0"/>
+              </a:ext>
+            </a:extLst>
+          </a:blip>
+          <a:stretch>
+            <a:fillRect/>
+          </a:stretch>
+        </p:blipFill>
+        <p:spPr>
+          <a:xfrm>
+            <a:off x="8434528" y="2300928"/>
+            <a:ext cx="3757472" cy="2818104"/>
+          </a:xfrm>
+          <a:prstGeom prst="rect">
+            <a:avLst/>
+          </a:prstGeom>
+        </p:spPr>
+      </p:pic>
+      <p:sp>
+        <p:nvSpPr>
+          <p:cNvPr id="29" name="TextBox 28">
+            <a:extLst>
+              <a:ext uri="{FF2B5EF4-FFF2-40B4-BE49-F238E27FC236}">
+                <a16:creationId xmlns:a16="http://schemas.microsoft.com/office/drawing/2014/main" id="{C0DAA507-F22A-C494-9795-7B0734ABF85B}"/>
+              </a:ext>
+            </a:extLst>
+          </p:cNvPr>
+          <p:cNvSpPr txBox="1"/>
+          <p:nvPr/>
+        </p:nvSpPr>
+        <p:spPr>
+          <a:xfrm>
+            <a:off x="56347" y="5117493"/>
+            <a:ext cx="2970317" cy="584775"/>
+          </a:xfrm>
+          <a:prstGeom prst="rect">
+            <a:avLst/>
+          </a:prstGeom>
+          <a:noFill/>
+        </p:spPr>
+        <p:txBody>
+          <a:bodyPr wrap="square" rtlCol="0">
+            <a:spAutoFit/>
+          </a:bodyPr>
+          <a:lstStyle/>
+          <a:p>
+            <a:r>
+              <a:rPr lang="en-US" sz="1600" dirty="0"/>
+              <a:t>+: Safe</a:t>
+            </a:r>
+          </a:p>
+          <a:p>
+            <a:r>
+              <a:rPr lang="en-US" sz="1600" dirty="0"/>
+              <a:t>-: Tumor needs to be localized</a:t>
+            </a:r>
+          </a:p>
+        </p:txBody>
+      </p:sp>
+      <p:pic>
+        <p:nvPicPr>
+          <p:cNvPr id="11" name="Picture 10">
+            <a:extLst>
+              <a:ext uri="{FF2B5EF4-FFF2-40B4-BE49-F238E27FC236}">
+                <a16:creationId xmlns:a16="http://schemas.microsoft.com/office/drawing/2014/main" id="{1F43F70A-FF0B-FF80-20FB-E08DF76E6339}"/>
+              </a:ext>
+            </a:extLst>
+          </p:cNvPr>
+          <p:cNvPicPr>
+            <a:picLocks noChangeAspect="1"/>
+          </p:cNvPicPr>
+          <p:nvPr/>
+        </p:nvPicPr>
+        <p:blipFill>
+          <a:blip r:embed="rId6">
+            <a:extLst>
+              <a:ext uri="{28A0092B-C50C-407E-A947-70E740481C1C}">
+                <a14:useLocalDpi xmlns:a14="http://schemas.microsoft.com/office/drawing/2010/main" val="0"/>
+              </a:ext>
+            </a:extLst>
+          </a:blip>
+          <a:stretch>
+            <a:fillRect/>
+          </a:stretch>
+        </p:blipFill>
+        <p:spPr>
+          <a:xfrm>
+            <a:off x="0" y="2304168"/>
+            <a:ext cx="4227157" cy="2818104"/>
+          </a:xfrm>
+          <a:prstGeom prst="rect">
+            <a:avLst/>
+          </a:prstGeom>
+        </p:spPr>
+      </p:pic>
+      <p:pic>
+        <p:nvPicPr>
+          <p:cNvPr id="9" name="Graphic 8">
+            <a:extLst>
+              <a:ext uri="{FF2B5EF4-FFF2-40B4-BE49-F238E27FC236}">
+                <a16:creationId xmlns:a16="http://schemas.microsoft.com/office/drawing/2014/main" id="{F63D88D2-CAE3-58A6-C5E2-CD72F6967D32}"/>
+              </a:ext>
+            </a:extLst>
+          </p:cNvPr>
+          <p:cNvPicPr>
+            <a:picLocks noChangeAspect="1"/>
+          </p:cNvPicPr>
+          <p:nvPr/>
+        </p:nvPicPr>
+        <p:blipFill>
+          <a:blip r:embed="rId7">
+            <a:extLst>
+              <a:ext uri="{28A0092B-C50C-407E-A947-70E740481C1C}">
+                <a14:useLocalDpi xmlns:a14="http://schemas.microsoft.com/office/drawing/2010/main" val="0"/>
+              </a:ext>
+              <a:ext uri="{96DAC541-7B7A-43D3-8B79-37D633B846F1}">
+                <asvg:svgBlip xmlns:asvg="http://schemas.microsoft.com/office/drawing/2016/SVG/main" r:embed="rId8"/>
+              </a:ext>
+            </a:extLst>
+          </a:blip>
+          <a:stretch>
+            <a:fillRect/>
+          </a:stretch>
+        </p:blipFill>
+        <p:spPr>
+          <a:xfrm>
+            <a:off x="1698816" y="1356391"/>
+            <a:ext cx="604085" cy="604085"/>
+          </a:xfrm>
+          <a:prstGeom prst="rect">
+            <a:avLst/>
+          </a:prstGeom>
+        </p:spPr>
+      </p:pic>
+      <p:sp>
+        <p:nvSpPr>
+          <p:cNvPr id="5" name="TextBox 4">
+            <a:extLst>
+              <a:ext uri="{FF2B5EF4-FFF2-40B4-BE49-F238E27FC236}">
+                <a16:creationId xmlns:a16="http://schemas.microsoft.com/office/drawing/2014/main" id="{A75E1E36-1CE3-4072-63F8-A4141AB84C07}"/>
+              </a:ext>
+            </a:extLst>
+          </p:cNvPr>
+          <p:cNvSpPr txBox="1"/>
+          <p:nvPr/>
+        </p:nvSpPr>
+        <p:spPr>
+          <a:xfrm>
+            <a:off x="3900" y="1314145"/>
+            <a:ext cx="1838632" cy="646331"/>
+          </a:xfrm>
+          <a:prstGeom prst="rect">
+            <a:avLst/>
+          </a:prstGeom>
+          <a:noFill/>
+        </p:spPr>
+        <p:txBody>
+          <a:bodyPr wrap="square" rtlCol="0">
+            <a:spAutoFit/>
+          </a:bodyPr>
+          <a:lstStyle/>
+          <a:p>
+            <a:r>
+              <a:rPr lang="en-US" sz="3600" dirty="0"/>
+              <a:t>Surgery</a:t>
+            </a:r>
+            <a:endParaRPr lang="en-US" dirty="0"/>
+          </a:p>
+        </p:txBody>
+      </p:sp>
+      <p:sp>
+        <p:nvSpPr>
+          <p:cNvPr id="6" name="TextBox 5">
+            <a:extLst>
+              <a:ext uri="{FF2B5EF4-FFF2-40B4-BE49-F238E27FC236}">
+                <a16:creationId xmlns:a16="http://schemas.microsoft.com/office/drawing/2014/main" id="{9A6AC0DC-A17E-74CC-522C-ECF44A6194C3}"/>
+              </a:ext>
+            </a:extLst>
+          </p:cNvPr>
+          <p:cNvSpPr txBox="1"/>
+          <p:nvPr/>
+        </p:nvSpPr>
+        <p:spPr>
+          <a:xfrm>
+            <a:off x="9036740" y="1339502"/>
+            <a:ext cx="3156066" cy="646331"/>
+          </a:xfrm>
+          <a:prstGeom prst="rect">
+            <a:avLst/>
+          </a:prstGeom>
+          <a:noFill/>
+        </p:spPr>
+        <p:txBody>
+          <a:bodyPr wrap="square" rtlCol="0">
+            <a:spAutoFit/>
+          </a:bodyPr>
+          <a:lstStyle/>
+          <a:p>
+            <a:pPr algn="r"/>
+            <a:r>
+              <a:rPr lang="en-US" sz="3600" dirty="0"/>
+              <a:t>Chemotherapy</a:t>
+            </a:r>
+            <a:endParaRPr lang="en-US" dirty="0"/>
+          </a:p>
+        </p:txBody>
+      </p:sp>
+      <p:sp>
+        <p:nvSpPr>
+          <p:cNvPr id="12" name="Rectangle 11">
+            <a:extLst>
+              <a:ext uri="{FF2B5EF4-FFF2-40B4-BE49-F238E27FC236}">
+                <a16:creationId xmlns:a16="http://schemas.microsoft.com/office/drawing/2014/main" id="{C1A68EF9-366B-7143-1122-E3F72B271FE9}"/>
+              </a:ext>
+            </a:extLst>
+          </p:cNvPr>
+          <p:cNvSpPr/>
+          <p:nvPr/>
+        </p:nvSpPr>
+        <p:spPr>
+          <a:xfrm>
+            <a:off x="0" y="0"/>
+            <a:ext cx="12192000" cy="6858000"/>
+          </a:xfrm>
+          <a:prstGeom prst="rect">
+            <a:avLst/>
+          </a:prstGeom>
+          <a:solidFill>
+            <a:schemeClr val="bg1">
+              <a:alpha val="70000"/>
+            </a:schemeClr>
+          </a:solidFill>
+          <a:ln>
+            <a:noFill/>
+          </a:ln>
+        </p:spPr>
+        <p:style>
+          <a:lnRef idx="2">
+            <a:schemeClr val="accent1">
+              <a:shade val="50000"/>
+            </a:schemeClr>
+          </a:lnRef>
+          <a:fillRef idx="1">
+            <a:schemeClr val="accent1"/>
+          </a:fillRef>
+          <a:effectRef idx="0">
+            <a:schemeClr val="accent1"/>
+          </a:effectRef>
+          <a:fontRef idx="minor">
+            <a:schemeClr val="lt1"/>
+          </a:fontRef>
+        </p:style>
+        <p:txBody>
+          <a:bodyPr rtlCol="0" anchor="ctr"/>
+          <a:lstStyle/>
+          <a:p>
+            <a:pPr algn="ctr"/>
+            <a:endParaRPr lang="en-US" dirty="0"/>
+          </a:p>
+        </p:txBody>
+      </p:sp>
+      <p:sp>
+        <p:nvSpPr>
+          <p:cNvPr id="7" name="TextBox 6">
+            <a:extLst>
+              <a:ext uri="{FF2B5EF4-FFF2-40B4-BE49-F238E27FC236}">
+                <a16:creationId xmlns:a16="http://schemas.microsoft.com/office/drawing/2014/main" id="{E9630991-F278-BEAD-C7E1-F6333D4AA982}"/>
+              </a:ext>
+            </a:extLst>
+          </p:cNvPr>
+          <p:cNvSpPr txBox="1"/>
+          <p:nvPr/>
+        </p:nvSpPr>
+        <p:spPr>
+          <a:xfrm>
+            <a:off x="4382729" y="1467320"/>
+            <a:ext cx="3426541" cy="646331"/>
+          </a:xfrm>
+          <a:prstGeom prst="rect">
+            <a:avLst/>
+          </a:prstGeom>
+          <a:noFill/>
+        </p:spPr>
+        <p:txBody>
+          <a:bodyPr wrap="square" rtlCol="0">
+            <a:spAutoFit/>
+          </a:bodyPr>
+          <a:lstStyle/>
+          <a:p>
+            <a:pPr algn="ctr"/>
+            <a:r>
+              <a:rPr lang="en-US" sz="3600" dirty="0"/>
+              <a:t>Radiotherapy</a:t>
+            </a:r>
+            <a:endParaRPr lang="en-US" dirty="0"/>
+          </a:p>
+        </p:txBody>
+      </p:sp>
+      <p:cxnSp>
+        <p:nvCxnSpPr>
+          <p:cNvPr id="21" name="Straight Arrow Connector 20">
+            <a:extLst>
+              <a:ext uri="{FF2B5EF4-FFF2-40B4-BE49-F238E27FC236}">
+                <a16:creationId xmlns:a16="http://schemas.microsoft.com/office/drawing/2014/main" id="{5237D9AA-BC23-93B6-7D12-FEEF9A3E5BA6}"/>
+              </a:ext>
+            </a:extLst>
+          </p:cNvPr>
+          <p:cNvCxnSpPr>
+            <a:cxnSpLocks/>
+            <a:endCxn id="7" idx="0"/>
+          </p:cNvCxnSpPr>
+          <p:nvPr/>
+        </p:nvCxnSpPr>
+        <p:spPr>
+          <a:xfrm>
+            <a:off x="6095999" y="747772"/>
+            <a:ext cx="1" cy="719548"/>
+          </a:xfrm>
+          <a:prstGeom prst="straightConnector1">
+            <a:avLst/>
+          </a:prstGeom>
+          <a:ln w="76200">
+            <a:solidFill>
+              <a:schemeClr val="bg1">
+                <a:lumMod val="50000"/>
+              </a:schemeClr>
+            </a:solidFill>
+            <a:headEnd type="none" w="med" len="med"/>
+            <a:tailEnd type="arrow" w="med" len="med"/>
+          </a:ln>
+        </p:spPr>
+        <p:style>
+          <a:lnRef idx="1">
+            <a:schemeClr val="accent1"/>
+          </a:lnRef>
+          <a:fillRef idx="0">
+            <a:schemeClr val="accent1"/>
+          </a:fillRef>
+          <a:effectRef idx="0">
+            <a:schemeClr val="accent1"/>
+          </a:effectRef>
+          <a:fontRef idx="minor">
+            <a:schemeClr val="tx1"/>
+          </a:fontRef>
+        </p:style>
+      </p:cxnSp>
+      <p:pic>
+        <p:nvPicPr>
+          <p:cNvPr id="16" name="Picture 15" descr="Intensity-modulated radiation therapy (imrt): what is it, symptoms and  treatment | Top Doctors">
+            <a:extLst>
+              <a:ext uri="{FF2B5EF4-FFF2-40B4-BE49-F238E27FC236}">
+                <a16:creationId xmlns:a16="http://schemas.microsoft.com/office/drawing/2014/main" id="{3156E593-E4D7-3B94-0E48-595B50A9E9C5}"/>
+              </a:ext>
+            </a:extLst>
+          </p:cNvPr>
+          <p:cNvPicPr>
+            <a:picLocks noChangeAspect="1"/>
+          </p:cNvPicPr>
+          <p:nvPr/>
+        </p:nvPicPr>
+        <p:blipFill>
+          <a:blip r:embed="rId9">
+            <a:extLst>
+              <a:ext uri="{28A0092B-C50C-407E-A947-70E740481C1C}">
+                <a14:useLocalDpi xmlns:a14="http://schemas.microsoft.com/office/drawing/2010/main" val="0"/>
+              </a:ext>
+            </a:extLst>
+          </a:blip>
+          <a:srcRect/>
+          <a:stretch>
+            <a:fillRect/>
+          </a:stretch>
+        </p:blipFill>
+        <p:spPr bwMode="auto">
+          <a:xfrm>
+            <a:off x="3386327" y="2189470"/>
+            <a:ext cx="5419344" cy="3603936"/>
+          </a:xfrm>
+          <a:prstGeom prst="rect">
+            <a:avLst/>
+          </a:prstGeom>
+          <a:noFill/>
+          <a:ln>
+            <a:noFill/>
+          </a:ln>
+        </p:spPr>
+      </p:pic>
+      <p:sp>
+        <p:nvSpPr>
+          <p:cNvPr id="4" name="Title 3">
+            <a:extLst>
+              <a:ext uri="{FF2B5EF4-FFF2-40B4-BE49-F238E27FC236}">
+                <a16:creationId xmlns:a16="http://schemas.microsoft.com/office/drawing/2014/main" id="{4C8AE96A-B9D7-CC4A-A44F-A812FEA4D021}"/>
+              </a:ext>
+            </a:extLst>
+          </p:cNvPr>
+          <p:cNvSpPr>
+            <a:spLocks noGrp="1"/>
+          </p:cNvSpPr>
+          <p:nvPr>
+            <p:ph type="title"/>
+          </p:nvPr>
+        </p:nvSpPr>
+        <p:spPr>
+          <a:xfrm>
+            <a:off x="838200" y="-29496"/>
+            <a:ext cx="10515600" cy="1024406"/>
+          </a:xfrm>
+        </p:spPr>
+        <p:txBody>
+          <a:bodyPr/>
+          <a:lstStyle/>
+          <a:p>
+            <a:pPr algn="ctr"/>
+            <a:r>
+              <a:rPr lang="en-US" dirty="0"/>
+              <a:t>Cancer treatments</a:t>
+            </a:r>
+          </a:p>
+        </p:txBody>
+      </p:sp>
+      <p:pic>
+        <p:nvPicPr>
+          <p:cNvPr id="17" name="Graphic 16">
+            <a:extLst>
+              <a:ext uri="{FF2B5EF4-FFF2-40B4-BE49-F238E27FC236}">
+                <a16:creationId xmlns:a16="http://schemas.microsoft.com/office/drawing/2014/main" id="{427AC21A-40AF-B9C6-998E-CEFCC1127FF1}"/>
+              </a:ext>
+            </a:extLst>
+          </p:cNvPr>
+          <p:cNvPicPr>
+            <a:picLocks noChangeAspect="1"/>
+          </p:cNvPicPr>
+          <p:nvPr/>
+        </p:nvPicPr>
+        <p:blipFill>
+          <a:blip r:embed="rId10">
+            <a:extLst>
+              <a:ext uri="{28A0092B-C50C-407E-A947-70E740481C1C}">
+                <a14:useLocalDpi xmlns:a14="http://schemas.microsoft.com/office/drawing/2010/main" val="0"/>
+              </a:ext>
+              <a:ext uri="{96DAC541-7B7A-43D3-8B79-37D633B846F1}">
+                <asvg:svgBlip xmlns:asvg="http://schemas.microsoft.com/office/drawing/2016/SVG/main" r:embed="rId11"/>
+              </a:ext>
+            </a:extLst>
+          </a:blip>
+          <a:stretch>
+            <a:fillRect/>
+          </a:stretch>
+        </p:blipFill>
+        <p:spPr>
+          <a:xfrm>
+            <a:off x="7609400" y="1467320"/>
+            <a:ext cx="702040" cy="702040"/>
+          </a:xfrm>
+          <a:prstGeom prst="rect">
+            <a:avLst/>
+          </a:prstGeom>
+        </p:spPr>
+      </p:pic>
+      <p:pic>
+        <p:nvPicPr>
+          <p:cNvPr id="19" name="Graphic 18">
+            <a:extLst>
+              <a:ext uri="{FF2B5EF4-FFF2-40B4-BE49-F238E27FC236}">
+                <a16:creationId xmlns:a16="http://schemas.microsoft.com/office/drawing/2014/main" id="{1C2D6FB0-DC05-6201-EE65-6C4696D8467D}"/>
+              </a:ext>
+            </a:extLst>
+          </p:cNvPr>
+          <p:cNvPicPr>
+            <a:picLocks noChangeAspect="1"/>
+          </p:cNvPicPr>
+          <p:nvPr/>
+        </p:nvPicPr>
+        <p:blipFill>
+          <a:blip r:embed="rId10">
+            <a:extLst>
+              <a:ext uri="{28A0092B-C50C-407E-A947-70E740481C1C}">
+                <a14:useLocalDpi xmlns:a14="http://schemas.microsoft.com/office/drawing/2010/main" val="0"/>
+              </a:ext>
+              <a:ext uri="{96DAC541-7B7A-43D3-8B79-37D633B846F1}">
+                <asvg:svgBlip xmlns:asvg="http://schemas.microsoft.com/office/drawing/2016/SVG/main" r:embed="rId11"/>
+              </a:ext>
+            </a:extLst>
+          </a:blip>
+          <a:stretch>
+            <a:fillRect/>
+          </a:stretch>
+        </p:blipFill>
+        <p:spPr>
+          <a:xfrm rot="10800000">
+            <a:off x="3880559" y="1467320"/>
+            <a:ext cx="702040" cy="702040"/>
+          </a:xfrm>
+          <a:prstGeom prst="rect">
+            <a:avLst/>
+          </a:prstGeom>
+        </p:spPr>
+      </p:pic>
+      <p:sp>
+        <p:nvSpPr>
+          <p:cNvPr id="20" name="TextBox 19">
+            <a:extLst>
+              <a:ext uri="{FF2B5EF4-FFF2-40B4-BE49-F238E27FC236}">
+                <a16:creationId xmlns:a16="http://schemas.microsoft.com/office/drawing/2014/main" id="{5AFA761F-9111-B31F-6168-D19CE2C3E2F6}"/>
+              </a:ext>
+            </a:extLst>
+          </p:cNvPr>
+          <p:cNvSpPr txBox="1"/>
+          <p:nvPr/>
+        </p:nvSpPr>
+        <p:spPr>
+          <a:xfrm>
+            <a:off x="3629330" y="5869225"/>
+            <a:ext cx="4933337" cy="707886"/>
+          </a:xfrm>
+          <a:prstGeom prst="rect">
+            <a:avLst/>
+          </a:prstGeom>
+          <a:noFill/>
+        </p:spPr>
+        <p:txBody>
+          <a:bodyPr wrap="square" rtlCol="0">
+            <a:spAutoFit/>
+          </a:bodyPr>
+          <a:lstStyle/>
+          <a:p>
+            <a:r>
+              <a:rPr lang="en-US" sz="2000" dirty="0"/>
+              <a:t>+: Relatively safe (most tissues are spared)</a:t>
+            </a:r>
+          </a:p>
+          <a:p>
+            <a:r>
+              <a:rPr lang="en-US" sz="2000" dirty="0"/>
+              <a:t>-: Tumor needs to be (relatively) localized</a:t>
+            </a:r>
+          </a:p>
+        </p:txBody>
+      </p:sp>
+    </p:spTree>
+    <p:extLst>
+      <p:ext uri="{BB962C8B-B14F-4D97-AF65-F5344CB8AC3E}">
+        <p14:creationId xmlns:p14="http://schemas.microsoft.com/office/powerpoint/2010/main" val="463330742"/>
+      </p:ext>
+    </p:extLst>
+  </p:cSld>
+  <p:clrMapOvr>
+    <a:masterClrMapping/>
+  </p:clrMapOvr>
+</p:sld>
+</file>
+
+<file path=ppt/slides/slide3.xml><?xml version="1.0" encoding="utf-8"?>
+<p:sld xmlns:a="http://schemas.openxmlformats.org/drawingml/2006/main" xmlns:r="http://schemas.openxmlformats.org/officeDocument/2006/relationships" xmlns:p="http://schemas.openxmlformats.org/presentationml/2006/main">
+  <p:cSld>
+    <p:spTree>
+      <p:nvGrpSpPr>
+        <p:cNvPr id="1" name=""/>
+        <p:cNvGrpSpPr/>
+        <p:nvPr/>
+      </p:nvGrpSpPr>
+      <p:grpSpPr>
+        <a:xfrm>
+          <a:off x="0" y="0"/>
+          <a:ext cx="0" cy="0"/>
+          <a:chOff x="0" y="0"/>
+          <a:chExt cx="0" cy="0"/>
+        </a:xfrm>
+      </p:grpSpPr>
+      <p:sp>
+        <p:nvSpPr>
           <p:cNvPr id="2" name="Title 1">
             <a:extLst>
               <a:ext uri="{FF2B5EF4-FFF2-40B4-BE49-F238E27FC236}">
@@ -36151,4 +37360,319 @@
     </a:ext>
   </a:extLst>
 </a:theme>
+</file>
+
+<file path=ppt/theme/theme2.xml><?xml version="1.0" encoding="utf-8"?>
+<a:theme xmlns:a="http://schemas.openxmlformats.org/drawingml/2006/main" name="Office Theme">
+  <a:themeElements>
+    <a:clrScheme name="Office">
+      <a:dk1>
+        <a:sysClr val="windowText" lastClr="000000"/>
+      </a:dk1>
+      <a:lt1>
+        <a:sysClr val="window" lastClr="FFFFFF"/>
+      </a:lt1>
+      <a:dk2>
+        <a:srgbClr val="0E2841"/>
+      </a:dk2>
+      <a:lt2>
+        <a:srgbClr val="E8E8E8"/>
+      </a:lt2>
+      <a:accent1>
+        <a:srgbClr val="156082"/>
+      </a:accent1>
+      <a:accent2>
+        <a:srgbClr val="E97132"/>
+      </a:accent2>
+      <a:accent3>
+        <a:srgbClr val="196B24"/>
+      </a:accent3>
+      <a:accent4>
+        <a:srgbClr val="0F9ED5"/>
+      </a:accent4>
+      <a:accent5>
+        <a:srgbClr val="A02B93"/>
+      </a:accent5>
+      <a:accent6>
+        <a:srgbClr val="4EA72E"/>
+      </a:accent6>
+      <a:hlink>
+        <a:srgbClr val="467886"/>
+      </a:hlink>
+      <a:folHlink>
+        <a:srgbClr val="96607D"/>
+      </a:folHlink>
+    </a:clrScheme>
+    <a:fontScheme name="Office">
+      <a:majorFont>
+        <a:latin typeface="Aptos Display" panose="02110004020202020204"/>
+        <a:ea typeface=""/>
+        <a:cs typeface=""/>
+        <a:font script="Jpan" typeface="游ゴシック Light"/>
+        <a:font script="Hang" typeface="맑은 고딕"/>
+        <a:font script="Hans" typeface="等线 Light"/>
+        <a:font script="Hant" typeface="新細明體"/>
+        <a:font script="Arab" typeface="Times New Roman"/>
+        <a:font script="Hebr" typeface="Times New Roman"/>
+        <a:font script="Thai" typeface="Angsana New"/>
+        <a:font script="Ethi" typeface="Nyala"/>
+        <a:font script="Beng" typeface="Vrinda"/>
+        <a:font script="Gujr" typeface="Shruti"/>
+        <a:font script="Khmr" typeface="MoolBoran"/>
+        <a:font script="Knda" typeface="Tunga"/>
+        <a:font script="Guru" typeface="Raavi"/>
+        <a:font script="Cans" typeface="Euphemia"/>
+        <a:font script="Cher" typeface="Plantagenet Cherokee"/>
+        <a:font script="Yiii" typeface="Microsoft Yi Baiti"/>
+        <a:font script="Tibt" typeface="Microsoft Himalaya"/>
+        <a:font script="Thaa" typeface="MV Boli"/>
+        <a:font script="Deva" typeface="Mangal"/>
+        <a:font script="Telu" typeface="Gautami"/>
+        <a:font script="Taml" typeface="Latha"/>
+        <a:font script="Syrc" typeface="Estrangelo Edessa"/>
+        <a:font script="Orya" typeface="Kalinga"/>
+        <a:font script="Mlym" typeface="Kartika"/>
+        <a:font script="Laoo" typeface="DokChampa"/>
+        <a:font script="Sinh" typeface="Iskoola Pota"/>
+        <a:font script="Mong" typeface="Mongolian Baiti"/>
+        <a:font script="Viet" typeface="Times New Roman"/>
+        <a:font script="Uigh" typeface="Microsoft Uighur"/>
+        <a:font script="Geor" typeface="Sylfaen"/>
+        <a:font script="Armn" typeface="Arial"/>
+        <a:font script="Bugi" typeface="Leelawadee UI"/>
+        <a:font script="Bopo" typeface="Microsoft JhengHei"/>
+        <a:font script="Java" typeface="Javanese Text"/>
+        <a:font script="Lisu" typeface="Segoe UI"/>
+        <a:font script="Mymr" typeface="Myanmar Text"/>
+        <a:font script="Nkoo" typeface="Ebrima"/>
+        <a:font script="Olck" typeface="Nirmala UI"/>
+        <a:font script="Osma" typeface="Ebrima"/>
+        <a:font script="Phag" typeface="Phagspa"/>
+        <a:font script="Syrn" typeface="Estrangelo Edessa"/>
+        <a:font script="Syrj" typeface="Estrangelo Edessa"/>
+        <a:font script="Syre" typeface="Estrangelo Edessa"/>
+        <a:font script="Sora" typeface="Nirmala UI"/>
+        <a:font script="Tale" typeface="Microsoft Tai Le"/>
+        <a:font script="Talu" typeface="Microsoft New Tai Lue"/>
+        <a:font script="Tfng" typeface="Ebrima"/>
+      </a:majorFont>
+      <a:minorFont>
+        <a:latin typeface="Aptos" panose="02110004020202020204"/>
+        <a:ea typeface=""/>
+        <a:cs typeface=""/>
+        <a:font script="Jpan" typeface="游ゴシック"/>
+        <a:font script="Hang" typeface="맑은 고딕"/>
+        <a:font script="Hans" typeface="等线"/>
+        <a:font script="Hant" typeface="新細明體"/>
+        <a:font script="Arab" typeface="Arial"/>
+        <a:font script="Hebr" typeface="Arial"/>
+        <a:font script="Thai" typeface="Cordia New"/>
+        <a:font script="Ethi" typeface="Nyala"/>
+        <a:font script="Beng" typeface="Vrinda"/>
+        <a:font script="Gujr" typeface="Shruti"/>
+        <a:font script="Khmr" typeface="DaunPenh"/>
+        <a:font script="Knda" typeface="Tunga"/>
+        <a:font script="Guru" typeface="Raavi"/>
+        <a:font script="Cans" typeface="Euphemia"/>
+        <a:font script="Cher" typeface="Plantagenet Cherokee"/>
+        <a:font script="Yiii" typeface="Microsoft Yi Baiti"/>
+        <a:font script="Tibt" typeface="Microsoft Himalaya"/>
+        <a:font script="Thaa" typeface="MV Boli"/>
+        <a:font script="Deva" typeface="Mangal"/>
+        <a:font script="Telu" typeface="Gautami"/>
+        <a:font script="Taml" typeface="Latha"/>
+        <a:font script="Syrc" typeface="Estrangelo Edessa"/>
+        <a:font script="Orya" typeface="Kalinga"/>
+        <a:font script="Mlym" typeface="Kartika"/>
+        <a:font script="Laoo" typeface="DokChampa"/>
+        <a:font script="Sinh" typeface="Iskoola Pota"/>
+        <a:font script="Mong" typeface="Mongolian Baiti"/>
+        <a:font script="Viet" typeface="Arial"/>
+        <a:font script="Uigh" typeface="Microsoft Uighur"/>
+        <a:font script="Geor" typeface="Sylfaen"/>
+        <a:font script="Armn" typeface="Arial"/>
+        <a:font script="Bugi" typeface="Leelawadee UI"/>
+        <a:font script="Bopo" typeface="Microsoft JhengHei"/>
+        <a:font script="Java" typeface="Javanese Text"/>
+        <a:font script="Lisu" typeface="Segoe UI"/>
+        <a:font script="Mymr" typeface="Myanmar Text"/>
+        <a:font script="Nkoo" typeface="Ebrima"/>
+        <a:font script="Olck" typeface="Nirmala UI"/>
+        <a:font script="Osma" typeface="Ebrima"/>
+        <a:font script="Phag" typeface="Phagspa"/>
+        <a:font script="Syrn" typeface="Estrangelo Edessa"/>
+        <a:font script="Syrj" typeface="Estrangelo Edessa"/>
+        <a:font script="Syre" typeface="Estrangelo Edessa"/>
+        <a:font script="Sora" typeface="Nirmala UI"/>
+        <a:font script="Tale" typeface="Microsoft Tai Le"/>
+        <a:font script="Talu" typeface="Microsoft New Tai Lue"/>
+        <a:font script="Tfng" typeface="Ebrima"/>
+      </a:minorFont>
+    </a:fontScheme>
+    <a:fmtScheme name="Office">
+      <a:fillStyleLst>
+        <a:solidFill>
+          <a:schemeClr val="phClr"/>
+        </a:solidFill>
+        <a:gradFill rotWithShape="1">
+          <a:gsLst>
+            <a:gs pos="0">
+              <a:schemeClr val="phClr">
+                <a:lumMod val="110000"/>
+                <a:satMod val="105000"/>
+                <a:tint val="67000"/>
+              </a:schemeClr>
+            </a:gs>
+            <a:gs pos="50000">
+              <a:schemeClr val="phClr">
+                <a:lumMod val="105000"/>
+                <a:satMod val="103000"/>
+                <a:tint val="73000"/>
+              </a:schemeClr>
+            </a:gs>
+            <a:gs pos="100000">
+              <a:schemeClr val="phClr">
+                <a:lumMod val="105000"/>
+                <a:satMod val="109000"/>
+                <a:tint val="81000"/>
+              </a:schemeClr>
+            </a:gs>
+          </a:gsLst>
+          <a:lin ang="5400000" scaled="0"/>
+        </a:gradFill>
+        <a:gradFill rotWithShape="1">
+          <a:gsLst>
+            <a:gs pos="0">
+              <a:schemeClr val="phClr">
+                <a:satMod val="103000"/>
+                <a:lumMod val="102000"/>
+                <a:tint val="94000"/>
+              </a:schemeClr>
+            </a:gs>
+            <a:gs pos="50000">
+              <a:schemeClr val="phClr">
+                <a:satMod val="110000"/>
+                <a:lumMod val="100000"/>
+                <a:shade val="100000"/>
+              </a:schemeClr>
+            </a:gs>
+            <a:gs pos="100000">
+              <a:schemeClr val="phClr">
+                <a:lumMod val="99000"/>
+                <a:satMod val="120000"/>
+                <a:shade val="78000"/>
+              </a:schemeClr>
+            </a:gs>
+          </a:gsLst>
+          <a:lin ang="5400000" scaled="0"/>
+        </a:gradFill>
+      </a:fillStyleLst>
+      <a:lnStyleLst>
+        <a:ln w="12700" cap="flat" cmpd="sng" algn="ctr">
+          <a:solidFill>
+            <a:schemeClr val="phClr"/>
+          </a:solidFill>
+          <a:prstDash val="solid"/>
+          <a:miter lim="800000"/>
+        </a:ln>
+        <a:ln w="19050" cap="flat" cmpd="sng" algn="ctr">
+          <a:solidFill>
+            <a:schemeClr val="phClr"/>
+          </a:solidFill>
+          <a:prstDash val="solid"/>
+          <a:miter lim="800000"/>
+        </a:ln>
+        <a:ln w="25400" cap="flat" cmpd="sng" algn="ctr">
+          <a:solidFill>
+            <a:schemeClr val="phClr"/>
+          </a:solidFill>
+          <a:prstDash val="solid"/>
+          <a:miter lim="800000"/>
+        </a:ln>
+      </a:lnStyleLst>
+      <a:effectStyleLst>
+        <a:effectStyle>
+          <a:effectLst/>
+        </a:effectStyle>
+        <a:effectStyle>
+          <a:effectLst/>
+        </a:effectStyle>
+        <a:effectStyle>
+          <a:effectLst>
+            <a:outerShdw blurRad="57150" dist="19050" dir="5400000" algn="ctr" rotWithShape="0">
+              <a:srgbClr val="000000">
+                <a:alpha val="63000"/>
+              </a:srgbClr>
+            </a:outerShdw>
+          </a:effectLst>
+        </a:effectStyle>
+      </a:effectStyleLst>
+      <a:bgFillStyleLst>
+        <a:solidFill>
+          <a:schemeClr val="phClr"/>
+        </a:solidFill>
+        <a:solidFill>
+          <a:schemeClr val="phClr">
+            <a:tint val="95000"/>
+            <a:satMod val="170000"/>
+          </a:schemeClr>
+        </a:solidFill>
+        <a:gradFill rotWithShape="1">
+          <a:gsLst>
+            <a:gs pos="0">
+              <a:schemeClr val="phClr">
+                <a:tint val="93000"/>
+                <a:satMod val="150000"/>
+                <a:shade val="98000"/>
+                <a:lumMod val="102000"/>
+              </a:schemeClr>
+            </a:gs>
+            <a:gs pos="50000">
+              <a:schemeClr val="phClr">
+                <a:tint val="98000"/>
+                <a:satMod val="130000"/>
+                <a:shade val="90000"/>
+                <a:lumMod val="103000"/>
+              </a:schemeClr>
+            </a:gs>
+            <a:gs pos="100000">
+              <a:schemeClr val="phClr">
+                <a:shade val="63000"/>
+                <a:satMod val="120000"/>
+              </a:schemeClr>
+            </a:gs>
+          </a:gsLst>
+          <a:lin ang="5400000" scaled="0"/>
+        </a:gradFill>
+      </a:bgFillStyleLst>
+    </a:fmtScheme>
+  </a:themeElements>
+  <a:objectDefaults>
+    <a:lnDef>
+      <a:spPr/>
+      <a:bodyPr/>
+      <a:lstStyle/>
+      <a:style>
+        <a:lnRef idx="2">
+          <a:schemeClr val="accent1"/>
+        </a:lnRef>
+        <a:fillRef idx="0">
+          <a:schemeClr val="accent1"/>
+        </a:fillRef>
+        <a:effectRef idx="1">
+          <a:schemeClr val="accent1"/>
+        </a:effectRef>
+        <a:fontRef idx="minor">
+          <a:schemeClr val="tx1"/>
+        </a:fontRef>
+      </a:style>
+    </a:lnDef>
+  </a:objectDefaults>
+  <a:extraClrSchemeLst/>
+  <a:extLst>
+    <a:ext uri="{05A4C25C-085E-4340-85A3-A5531E510DB2}">
+      <thm15:themeFamily xmlns:thm15="http://schemas.microsoft.com/office/thememl/2012/main" name="Office Theme" id="{2E142A2C-CD16-42D6-873A-C26D2A0506FA}" vid="{1BDDFF52-6CD6-40A5-AB3C-68EB2F1E4D0A}"/>
+    </a:ext>
+  </a:extLst>
+</a:theme>
 </file>
--- a/AIME-slides.pptx
+++ b/AIME-slides.pptx
@@ -5,12 +5,13 @@
     <p:sldMasterId id="2147483648" r:id="rId1"/>
   </p:sldMasterIdLst>
   <p:notesMasterIdLst>
-    <p:notesMasterId r:id="rId5"/>
+    <p:notesMasterId r:id="rId6"/>
   </p:notesMasterIdLst>
   <p:sldIdLst>
     <p:sldId id="257" r:id="rId2"/>
     <p:sldId id="267" r:id="rId3"/>
-    <p:sldId id="256" r:id="rId4"/>
+    <p:sldId id="268" r:id="rId4"/>
+    <p:sldId id="256" r:id="rId5"/>
   </p:sldIdLst>
   <p:sldSz cx="12192000" cy="6858000"/>
   <p:notesSz cx="6858000" cy="9144000"/>
@@ -536,6 +537,93 @@
     <p:extLst>
       <p:ext uri="{BB962C8B-B14F-4D97-AF65-F5344CB8AC3E}">
         <p14:creationId xmlns:p14="http://schemas.microsoft.com/office/powerpoint/2010/main" val="3811524178"/>
+      </p:ext>
+    </p:extLst>
+  </p:cSld>
+  <p:clrMapOvr>
+    <a:masterClrMapping/>
+  </p:clrMapOvr>
+</p:notes>
+</file>
+
+<file path=ppt/notesSlides/notesSlide2.xml><?xml version="1.0" encoding="utf-8"?>
+<p:notes xmlns:a="http://schemas.openxmlformats.org/drawingml/2006/main" xmlns:r="http://schemas.openxmlformats.org/officeDocument/2006/relationships" xmlns:p="http://schemas.openxmlformats.org/presentationml/2006/main">
+  <p:cSld>
+    <p:spTree>
+      <p:nvGrpSpPr>
+        <p:cNvPr id="1" name=""/>
+        <p:cNvGrpSpPr/>
+        <p:nvPr/>
+      </p:nvGrpSpPr>
+      <p:grpSpPr>
+        <a:xfrm>
+          <a:off x="0" y="0"/>
+          <a:ext cx="0" cy="0"/>
+          <a:chOff x="0" y="0"/>
+          <a:chExt cx="0" cy="0"/>
+        </a:xfrm>
+      </p:grpSpPr>
+      <p:sp>
+        <p:nvSpPr>
+          <p:cNvPr id="2" name="Slide Image Placeholder 1"/>
+          <p:cNvSpPr>
+            <a:spLocks noGrp="1" noRot="1" noChangeAspect="1"/>
+          </p:cNvSpPr>
+          <p:nvPr>
+            <p:ph type="sldImg"/>
+          </p:nvPr>
+        </p:nvSpPr>
+        <p:spPr/>
+      </p:sp>
+      <p:sp>
+        <p:nvSpPr>
+          <p:cNvPr id="3" name="Notes Placeholder 2"/>
+          <p:cNvSpPr>
+            <a:spLocks noGrp="1"/>
+          </p:cNvSpPr>
+          <p:nvPr>
+            <p:ph type="body" idx="1"/>
+          </p:nvPr>
+        </p:nvSpPr>
+        <p:spPr/>
+        <p:txBody>
+          <a:bodyPr/>
+          <a:lstStyle/>
+          <a:p>
+            <a:r>
+              <a:rPr lang="en-US" dirty="0"/>
+              <a:t>Do the demo with wood MLC &amp; light</a:t>
+            </a:r>
+          </a:p>
+        </p:txBody>
+      </p:sp>
+      <p:sp>
+        <p:nvSpPr>
+          <p:cNvPr id="4" name="Slide Number Placeholder 3"/>
+          <p:cNvSpPr>
+            <a:spLocks noGrp="1"/>
+          </p:cNvSpPr>
+          <p:nvPr>
+            <p:ph type="sldNum" sz="quarter" idx="5"/>
+          </p:nvPr>
+        </p:nvSpPr>
+        <p:spPr/>
+        <p:txBody>
+          <a:bodyPr/>
+          <a:lstStyle/>
+          <a:p>
+            <a:fld id="{7AE7B803-5FCA-474D-9C85-BE7A636F01C1}" type="slidenum">
+              <a:rPr lang="en-US" smtClean="0"/>
+              <a:t>3</a:t>
+            </a:fld>
+            <a:endParaRPr lang="en-US"/>
+          </a:p>
+        </p:txBody>
+      </p:sp>
+    </p:spTree>
+    <p:extLst>
+      <p:ext uri="{BB962C8B-B14F-4D97-AF65-F5344CB8AC3E}">
+        <p14:creationId xmlns:p14="http://schemas.microsoft.com/office/powerpoint/2010/main" val="692522816"/>
       </p:ext>
     </p:extLst>
   </p:cSld>
@@ -36989,6 +37077,325 @@
           <p:cNvPr id="2" name="Title 1">
             <a:extLst>
               <a:ext uri="{FF2B5EF4-FFF2-40B4-BE49-F238E27FC236}">
+                <a16:creationId xmlns:a16="http://schemas.microsoft.com/office/drawing/2014/main" id="{63088DEC-63BB-32C2-93E9-B749856B7873}"/>
+              </a:ext>
+            </a:extLst>
+          </p:cNvPr>
+          <p:cNvSpPr>
+            <a:spLocks noGrp="1"/>
+          </p:cNvSpPr>
+          <p:nvPr>
+            <p:ph type="title"/>
+          </p:nvPr>
+        </p:nvSpPr>
+        <p:spPr/>
+        <p:txBody>
+          <a:bodyPr/>
+          <a:lstStyle/>
+          <a:p>
+            <a:r>
+              <a:rPr lang="en-US" dirty="0"/>
+              <a:t>Multi-Leaf Collimator</a:t>
+            </a:r>
+          </a:p>
+        </p:txBody>
+      </p:sp>
+      <p:pic>
+        <p:nvPicPr>
+          <p:cNvPr id="4" name="Picture 3" descr="A picture containing text, yellow&#10;&#10;Description automatically generated">
+            <a:extLst>
+              <a:ext uri="{FF2B5EF4-FFF2-40B4-BE49-F238E27FC236}">
+                <a16:creationId xmlns:a16="http://schemas.microsoft.com/office/drawing/2014/main" id="{F105BECB-150D-ADB1-26BD-5626E5F1EB1A}"/>
+              </a:ext>
+            </a:extLst>
+          </p:cNvPr>
+          <p:cNvPicPr>
+            <a:picLocks noChangeAspect="1"/>
+          </p:cNvPicPr>
+          <p:nvPr/>
+        </p:nvPicPr>
+        <p:blipFill>
+          <a:blip r:embed="rId3">
+            <a:extLst>
+              <a:ext uri="{28A0092B-C50C-407E-A947-70E740481C1C}">
+                <a14:useLocalDpi xmlns:a14="http://schemas.microsoft.com/office/drawing/2010/main" val="0"/>
+              </a:ext>
+            </a:extLst>
+          </a:blip>
+          <a:stretch>
+            <a:fillRect/>
+          </a:stretch>
+        </p:blipFill>
+        <p:spPr>
+          <a:xfrm>
+            <a:off x="7981950" y="2959753"/>
+            <a:ext cx="2752725" cy="2428875"/>
+          </a:xfrm>
+          <a:prstGeom prst="rect">
+            <a:avLst/>
+          </a:prstGeom>
+        </p:spPr>
+      </p:pic>
+      <p:pic>
+        <p:nvPicPr>
+          <p:cNvPr id="6" name="Picture 5" descr="A picture containing indoor, linear accelerator, device, miller&#10;&#10;Description automatically generated">
+            <a:extLst>
+              <a:ext uri="{FF2B5EF4-FFF2-40B4-BE49-F238E27FC236}">
+                <a16:creationId xmlns:a16="http://schemas.microsoft.com/office/drawing/2014/main" id="{42A4C165-6F5A-3C69-1D4F-890EDF7D13A8}"/>
+              </a:ext>
+            </a:extLst>
+          </p:cNvPr>
+          <p:cNvPicPr>
+            <a:picLocks noChangeAspect="1"/>
+          </p:cNvPicPr>
+          <p:nvPr/>
+        </p:nvPicPr>
+        <p:blipFill>
+          <a:blip r:embed="rId4">
+            <a:extLst>
+              <a:ext uri="{28A0092B-C50C-407E-A947-70E740481C1C}">
+                <a14:useLocalDpi xmlns:a14="http://schemas.microsoft.com/office/drawing/2010/main" val="0"/>
+              </a:ext>
+            </a:extLst>
+          </a:blip>
+          <a:stretch>
+            <a:fillRect/>
+          </a:stretch>
+        </p:blipFill>
+        <p:spPr>
+          <a:xfrm>
+            <a:off x="838200" y="1690688"/>
+            <a:ext cx="6031992" cy="4572000"/>
+          </a:xfrm>
+          <a:prstGeom prst="rect">
+            <a:avLst/>
+          </a:prstGeom>
+        </p:spPr>
+      </p:pic>
+      <p:cxnSp>
+        <p:nvCxnSpPr>
+          <p:cNvPr id="7" name="Straight Arrow Connector 6">
+            <a:extLst>
+              <a:ext uri="{FF2B5EF4-FFF2-40B4-BE49-F238E27FC236}">
+                <a16:creationId xmlns:a16="http://schemas.microsoft.com/office/drawing/2014/main" id="{933034AA-40F0-80B8-5264-7C920D57605D}"/>
+              </a:ext>
+            </a:extLst>
+          </p:cNvPr>
+          <p:cNvCxnSpPr>
+            <a:cxnSpLocks/>
+          </p:cNvCxnSpPr>
+          <p:nvPr/>
+        </p:nvCxnSpPr>
+        <p:spPr>
+          <a:xfrm>
+            <a:off x="1752600" y="2124075"/>
+            <a:ext cx="1581150" cy="2286000"/>
+          </a:xfrm>
+          <a:prstGeom prst="straightConnector1">
+            <a:avLst/>
+          </a:prstGeom>
+          <a:ln w="76200">
+            <a:solidFill>
+              <a:srgbClr val="FFC000"/>
+            </a:solidFill>
+            <a:headEnd type="none" w="med" len="med"/>
+            <a:tailEnd type="arrow" w="med" len="med"/>
+          </a:ln>
+        </p:spPr>
+        <p:style>
+          <a:lnRef idx="1">
+            <a:schemeClr val="accent1"/>
+          </a:lnRef>
+          <a:fillRef idx="0">
+            <a:schemeClr val="accent1"/>
+          </a:fillRef>
+          <a:effectRef idx="0">
+            <a:schemeClr val="accent1"/>
+          </a:effectRef>
+          <a:fontRef idx="minor">
+            <a:schemeClr val="tx1"/>
+          </a:fontRef>
+        </p:style>
+      </p:cxnSp>
+      <p:sp>
+        <p:nvSpPr>
+          <p:cNvPr id="12" name="Oval 11">
+            <a:extLst>
+              <a:ext uri="{FF2B5EF4-FFF2-40B4-BE49-F238E27FC236}">
+                <a16:creationId xmlns:a16="http://schemas.microsoft.com/office/drawing/2014/main" id="{D379B8F3-057B-717F-D90B-2651FDF405C7}"/>
+              </a:ext>
+            </a:extLst>
+          </p:cNvPr>
+          <p:cNvSpPr/>
+          <p:nvPr/>
+        </p:nvSpPr>
+        <p:spPr>
+          <a:xfrm rot="19998805">
+            <a:off x="2295525" y="3062288"/>
+            <a:ext cx="819150" cy="409575"/>
+          </a:xfrm>
+          <a:prstGeom prst="ellipse">
+            <a:avLst/>
+          </a:prstGeom>
+          <a:noFill/>
+          <a:ln w="57150">
+            <a:solidFill>
+              <a:srgbClr val="C00000"/>
+            </a:solidFill>
+          </a:ln>
+        </p:spPr>
+        <p:style>
+          <a:lnRef idx="2">
+            <a:schemeClr val="accent1">
+              <a:shade val="50000"/>
+            </a:schemeClr>
+          </a:lnRef>
+          <a:fillRef idx="1">
+            <a:schemeClr val="accent1"/>
+          </a:fillRef>
+          <a:effectRef idx="0">
+            <a:schemeClr val="accent1"/>
+          </a:effectRef>
+          <a:fontRef idx="minor">
+            <a:schemeClr val="lt1"/>
+          </a:fontRef>
+        </p:style>
+        <p:txBody>
+          <a:bodyPr rtlCol="0" anchor="ctr"/>
+          <a:lstStyle/>
+          <a:p>
+            <a:pPr algn="ctr"/>
+            <a:endParaRPr lang="en-US"/>
+          </a:p>
+        </p:txBody>
+      </p:sp>
+      <p:sp>
+        <p:nvSpPr>
+          <p:cNvPr id="13" name="Freeform: Shape 12">
+            <a:extLst>
+              <a:ext uri="{FF2B5EF4-FFF2-40B4-BE49-F238E27FC236}">
+                <a16:creationId xmlns:a16="http://schemas.microsoft.com/office/drawing/2014/main" id="{B7C8C33D-8D63-EA28-6BE1-595CD6FEC994}"/>
+              </a:ext>
+            </a:extLst>
+          </p:cNvPr>
+          <p:cNvSpPr/>
+          <p:nvPr/>
+        </p:nvSpPr>
+        <p:spPr>
+          <a:xfrm>
+            <a:off x="3044825" y="2276400"/>
+            <a:ext cx="5937250" cy="866849"/>
+          </a:xfrm>
+          <a:custGeom>
+            <a:avLst/>
+            <a:gdLst>
+              <a:gd name="connsiteX0" fmla="*/ 0 w 5915025"/>
+              <a:gd name="connsiteY0" fmla="*/ 790649 h 828749"/>
+              <a:gd name="connsiteX1" fmla="*/ 3514725 w 5915025"/>
+              <a:gd name="connsiteY1" fmla="*/ 74 h 828749"/>
+              <a:gd name="connsiteX2" fmla="*/ 5915025 w 5915025"/>
+              <a:gd name="connsiteY2" fmla="*/ 828749 h 828749"/>
+            </a:gdLst>
+            <a:ahLst/>
+            <a:cxnLst>
+              <a:cxn ang="0">
+                <a:pos x="connsiteX0" y="connsiteY0"/>
+              </a:cxn>
+              <a:cxn ang="0">
+                <a:pos x="connsiteX1" y="connsiteY1"/>
+              </a:cxn>
+              <a:cxn ang="0">
+                <a:pos x="connsiteX2" y="connsiteY2"/>
+              </a:cxn>
+            </a:cxnLst>
+            <a:rect l="l" t="t" r="r" b="b"/>
+            <a:pathLst>
+              <a:path w="5915025" h="828749">
+                <a:moveTo>
+                  <a:pt x="0" y="790649"/>
+                </a:moveTo>
+                <a:cubicBezTo>
+                  <a:pt x="1264444" y="392186"/>
+                  <a:pt x="2528888" y="-6276"/>
+                  <a:pt x="3514725" y="74"/>
+                </a:cubicBezTo>
+                <a:cubicBezTo>
+                  <a:pt x="4500562" y="6424"/>
+                  <a:pt x="5207793" y="417586"/>
+                  <a:pt x="5915025" y="828749"/>
+                </a:cubicBezTo>
+              </a:path>
+            </a:pathLst>
+          </a:custGeom>
+          <a:noFill/>
+          <a:ln w="76200">
+            <a:solidFill>
+              <a:srgbClr val="C00000"/>
+            </a:solidFill>
+            <a:headEnd type="none" w="med" len="med"/>
+            <a:tailEnd type="arrow" w="med" len="med"/>
+          </a:ln>
+        </p:spPr>
+        <p:style>
+          <a:lnRef idx="2">
+            <a:schemeClr val="accent1">
+              <a:shade val="50000"/>
+            </a:schemeClr>
+          </a:lnRef>
+          <a:fillRef idx="1">
+            <a:schemeClr val="accent1"/>
+          </a:fillRef>
+          <a:effectRef idx="0">
+            <a:schemeClr val="accent1"/>
+          </a:effectRef>
+          <a:fontRef idx="minor">
+            <a:schemeClr val="lt1"/>
+          </a:fontRef>
+        </p:style>
+        <p:txBody>
+          <a:bodyPr rtlCol="0" anchor="ctr"/>
+          <a:lstStyle/>
+          <a:p>
+            <a:pPr algn="ctr"/>
+            <a:endParaRPr lang="en-US"/>
+          </a:p>
+        </p:txBody>
+      </p:sp>
+    </p:spTree>
+    <p:extLst>
+      <p:ext uri="{BB962C8B-B14F-4D97-AF65-F5344CB8AC3E}">
+        <p14:creationId xmlns:p14="http://schemas.microsoft.com/office/powerpoint/2010/main" val="1317199465"/>
+      </p:ext>
+    </p:extLst>
+  </p:cSld>
+  <p:clrMapOvr>
+    <a:masterClrMapping/>
+  </p:clrMapOvr>
+</p:sld>
+</file>
+
+<file path=ppt/slides/slide4.xml><?xml version="1.0" encoding="utf-8"?>
+<p:sld xmlns:a="http://schemas.openxmlformats.org/drawingml/2006/main" xmlns:r="http://schemas.openxmlformats.org/officeDocument/2006/relationships" xmlns:p="http://schemas.openxmlformats.org/presentationml/2006/main">
+  <p:cSld>
+    <p:spTree>
+      <p:nvGrpSpPr>
+        <p:cNvPr id="1" name=""/>
+        <p:cNvGrpSpPr/>
+        <p:nvPr/>
+      </p:nvGrpSpPr>
+      <p:grpSpPr>
+        <a:xfrm>
+          <a:off x="0" y="0"/>
+          <a:ext cx="0" cy="0"/>
+          <a:chOff x="0" y="0"/>
+          <a:chExt cx="0" cy="0"/>
+        </a:xfrm>
+      </p:grpSpPr>
+      <p:sp>
+        <p:nvSpPr>
+          <p:cNvPr id="2" name="Title 1">
+            <a:extLst>
+              <a:ext uri="{FF2B5EF4-FFF2-40B4-BE49-F238E27FC236}">
                 <a16:creationId xmlns:a16="http://schemas.microsoft.com/office/drawing/2014/main" id="{E004D419-9C92-73F0-B953-5BE2BEC074CF}"/>
               </a:ext>
             </a:extLst>
